--- a/Hackathon2.pptx
+++ b/Hackathon2.pptx
@@ -5,7 +5,7 @@
     <p:sldMasterId id="2147483648" r:id="rId1"/>
   </p:sldMasterIdLst>
   <p:sldIdLst>
-    <p:sldId id="256" r:id="rId2"/>
+    <p:sldId id="257" r:id="rId2"/>
   </p:sldIdLst>
   <p:sldSz cx="12192000" cy="6858000"/>
   <p:notesSz cx="6858000" cy="9144000"/>
@@ -104,6 +104,11 @@
       </a:defRPr>
     </a:lvl9pPr>
   </p:defaultTextStyle>
+  <p:extLst>
+    <p:ext uri="{EFAFB233-063F-42B5-8137-9DF3F51BA10A}">
+      <p15:sldGuideLst xmlns:p15="http://schemas.microsoft.com/office/powerpoint/2012/main"/>
+    </p:ext>
+  </p:extLst>
 </p:presentation>
 </file>
 
@@ -5774,7 +5779,7 @@
           <p:cNvPr id="2" name="Title 1">
             <a:extLst>
               <a:ext uri="{FF2B5EF4-FFF2-40B4-BE49-F238E27FC236}">
-                <a16:creationId xmlns:a16="http://schemas.microsoft.com/office/drawing/2014/main" id="{5A78A5A5-DE5D-2C12-751B-551FAC0015D8}"/>
+                <a16:creationId xmlns:a16="http://schemas.microsoft.com/office/drawing/2014/main" id="{0838E00D-A621-F411-B60F-0E022D811288}"/>
               </a:ext>
             </a:extLst>
           </p:cNvPr>
@@ -5782,27 +5787,38 @@
             <a:spLocks noGrp="1"/>
           </p:cNvSpPr>
           <p:nvPr>
-            <p:ph type="ctrTitle"/>
+            <p:ph type="title"/>
           </p:nvPr>
         </p:nvSpPr>
         <p:spPr/>
         <p:txBody>
-          <a:bodyPr/>
-          <a:lstStyle/>
-          <a:p>
-            <a:r>
-              <a:rPr lang="en-US" dirty="0"/>
-              <a:t>Hullabaloo</a:t>
-            </a:r>
-          </a:p>
-        </p:txBody>
-      </p:sp>
-      <p:sp>
-        <p:nvSpPr>
-          <p:cNvPr id="3" name="Subtitle 2">
+          <a:bodyPr>
+            <a:normAutofit/>
+          </a:bodyPr>
+          <a:lstStyle/>
+          <a:p>
+            <a:pPr algn="ctr"/>
+            <a:r>
+              <a:rPr lang="en-US" sz="7200" dirty="0"/>
+              <a:t>Group 17 - </a:t>
+            </a:r>
+            <a:r>
+              <a:rPr lang="en-US" sz="7200" dirty="0" err="1"/>
+              <a:t>Halabaloo</a:t>
+            </a:r>
+            <a:r>
+              <a:rPr lang="en-US" sz="7200" dirty="0"/>
+              <a:t> </a:t>
+            </a:r>
+          </a:p>
+        </p:txBody>
+      </p:sp>
+      <p:sp>
+        <p:nvSpPr>
+          <p:cNvPr id="3" name="Content Placeholder 2">
             <a:extLst>
               <a:ext uri="{FF2B5EF4-FFF2-40B4-BE49-F238E27FC236}">
-                <a16:creationId xmlns:a16="http://schemas.microsoft.com/office/drawing/2014/main" id="{7E8C54F3-022D-31A2-11A5-A0877FA5F0AE}"/>
+                <a16:creationId xmlns:a16="http://schemas.microsoft.com/office/drawing/2014/main" id="{1D55D6A2-BEAA-D376-1915-3F65341D2228}"/>
               </a:ext>
             </a:extLst>
           </p:cNvPr>
@@ -5810,33 +5826,141 @@
             <a:spLocks noGrp="1"/>
           </p:cNvSpPr>
           <p:nvPr>
-            <p:ph type="subTitle" idx="1"/>
-          </p:nvPr>
-        </p:nvSpPr>
-        <p:spPr/>
+            <p:ph idx="1"/>
+          </p:nvPr>
+        </p:nvSpPr>
+        <p:spPr>
+          <a:xfrm>
+            <a:off x="685801" y="2142068"/>
+            <a:ext cx="10131425" cy="2225538"/>
+          </a:xfrm>
+        </p:spPr>
         <p:txBody>
           <a:bodyPr/>
           <a:lstStyle/>
           <a:p>
             <a:r>
-              <a:rPr lang="en-US" dirty="0"/>
+              <a:rPr lang="en-US" sz="3200" dirty="0"/>
+              <a:t>We first read and store JSON files in a SQL database</a:t>
+            </a:r>
+          </a:p>
+          <a:p>
+            <a:r>
+              <a:rPr lang="en-US" sz="3200" dirty="0"/>
+              <a:t>We then query the database</a:t>
+            </a:r>
+          </a:p>
+          <a:p>
+            <a:r>
+              <a:rPr lang="en-US" sz="3200" dirty="0"/>
+              <a:t>Finally we present the data </a:t>
+            </a:r>
+          </a:p>
+          <a:p>
+            <a:pPr marL="0" indent="0">
+              <a:buNone/>
+            </a:pPr>
+            <a:endParaRPr lang="en-US" dirty="0"/>
+          </a:p>
+        </p:txBody>
+      </p:sp>
+      <p:pic>
+        <p:nvPicPr>
+          <p:cNvPr id="4" name="Picture 2" descr="Boeing 787 Dreamliner: What's in it for passengers - CSMonitor.com">
+            <a:extLst>
+              <a:ext uri="{FF2B5EF4-FFF2-40B4-BE49-F238E27FC236}">
+                <a16:creationId xmlns:a16="http://schemas.microsoft.com/office/drawing/2014/main" id="{231D1471-EA26-CF06-C023-B5F80E691BF4}"/>
+              </a:ext>
+            </a:extLst>
+          </p:cNvPr>
+          <p:cNvPicPr>
+            <a:picLocks noChangeAspect="1" noChangeArrowheads="1"/>
+          </p:cNvPicPr>
+          <p:nvPr/>
+        </p:nvPicPr>
+        <p:blipFill>
+          <a:blip r:embed="rId2">
+            <a:extLst>
+              <a:ext uri="{28A0092B-C50C-407E-A947-70E740481C1C}">
+                <a14:useLocalDpi xmlns:a14="http://schemas.microsoft.com/office/drawing/2010/main" val="0"/>
+              </a:ext>
+            </a:extLst>
+          </a:blip>
+          <a:srcRect/>
+          <a:stretch>
+            <a:fillRect/>
+          </a:stretch>
+        </p:blipFill>
+        <p:spPr bwMode="auto">
+          <a:xfrm>
+            <a:off x="6433071" y="2892966"/>
+            <a:ext cx="5202669" cy="3533832"/>
+          </a:xfrm>
+          <a:prstGeom prst="rect">
+            <a:avLst/>
+          </a:prstGeom>
+          <a:noFill/>
+          <a:extLst>
+            <a:ext uri="{909E8E84-426E-40DD-AFC4-6F175D3DCCD1}">
+              <a14:hiddenFill xmlns:a14="http://schemas.microsoft.com/office/drawing/2010/main">
+                <a:solidFill>
+                  <a:srgbClr val="FFFFFF"/>
+                </a:solidFill>
+              </a14:hiddenFill>
+            </a:ext>
+          </a:extLst>
+        </p:spPr>
+      </p:pic>
+      <p:sp>
+        <p:nvSpPr>
+          <p:cNvPr id="9" name="TextBox 8">
+            <a:extLst>
+              <a:ext uri="{FF2B5EF4-FFF2-40B4-BE49-F238E27FC236}">
+                <a16:creationId xmlns:a16="http://schemas.microsoft.com/office/drawing/2014/main" id="{1999E746-2726-8188-63A0-A974ED90F0A4}"/>
+              </a:ext>
+            </a:extLst>
+          </p:cNvPr>
+          <p:cNvSpPr txBox="1"/>
+          <p:nvPr/>
+        </p:nvSpPr>
+        <p:spPr>
+          <a:xfrm>
+            <a:off x="685801" y="4977217"/>
+            <a:ext cx="5410199" cy="738664"/>
+          </a:xfrm>
+          <a:prstGeom prst="rect">
+            <a:avLst/>
+          </a:prstGeom>
+          <a:noFill/>
+        </p:spPr>
+        <p:txBody>
+          <a:bodyPr wrap="square" rtlCol="0">
+            <a:spAutoFit/>
+          </a:bodyPr>
+          <a:lstStyle/>
+          <a:p>
+            <a:r>
+              <a:rPr lang="en-US" sz="2400" dirty="0"/>
               <a:t>By Kiran, </a:t>
             </a:r>
             <a:r>
-              <a:rPr lang="en-US" dirty="0" err="1"/>
+              <a:rPr lang="en-US" sz="2400" dirty="0" err="1"/>
               <a:t>Mohnish</a:t>
             </a:r>
             <a:r>
-              <a:rPr lang="en-US" dirty="0"/>
+              <a:rPr lang="en-US" sz="2400" dirty="0"/>
               <a:t>, Vidyut and Jeremy </a:t>
             </a:r>
+          </a:p>
+          <a:p>
+            <a:endParaRPr lang="en-US" dirty="0"/>
           </a:p>
         </p:txBody>
       </p:sp>
     </p:spTree>
     <p:extLst>
       <p:ext uri="{BB962C8B-B14F-4D97-AF65-F5344CB8AC3E}">
-        <p14:creationId xmlns:p14="http://schemas.microsoft.com/office/powerpoint/2010/main" val="1622125876"/>
+        <p14:creationId xmlns:p14="http://schemas.microsoft.com/office/powerpoint/2010/main" val="2451068380"/>
       </p:ext>
     </p:extLst>
   </p:cSld>
